--- a/BARA로고.pptx
+++ b/BARA로고.pptx
@@ -104,6 +104,11 @@
       </a:defRPr>
     </a:lvl9pPr>
   </p:defaultTextStyle>
+  <p:extLst>
+    <p:ext uri="{EFAFB233-063F-42B5-8137-9DF3F51BA10A}">
+      <p15:sldGuideLst xmlns:p15="http://schemas.microsoft.com/office/powerpoint/2012/main"/>
+    </p:ext>
+  </p:extLst>
 </p:presentation>
 </file>
 
@@ -254,7 +259,7 @@
           <a:p>
             <a:fld id="{17FC6342-A00B-44D7-A348-2641CBC97D53}" type="datetimeFigureOut">
               <a:rPr lang="ko-KR" altLang="en-US" smtClean="0"/>
-              <a:t>2022-11-01</a:t>
+              <a:t>2022-11-02</a:t>
             </a:fld>
             <a:endParaRPr lang="ko-KR" altLang="en-US"/>
           </a:p>
@@ -452,7 +457,7 @@
           <a:p>
             <a:fld id="{17FC6342-A00B-44D7-A348-2641CBC97D53}" type="datetimeFigureOut">
               <a:rPr lang="ko-KR" altLang="en-US" smtClean="0"/>
-              <a:t>2022-11-01</a:t>
+              <a:t>2022-11-02</a:t>
             </a:fld>
             <a:endParaRPr lang="ko-KR" altLang="en-US"/>
           </a:p>
@@ -660,7 +665,7 @@
           <a:p>
             <a:fld id="{17FC6342-A00B-44D7-A348-2641CBC97D53}" type="datetimeFigureOut">
               <a:rPr lang="ko-KR" altLang="en-US" smtClean="0"/>
-              <a:t>2022-11-01</a:t>
+              <a:t>2022-11-02</a:t>
             </a:fld>
             <a:endParaRPr lang="ko-KR" altLang="en-US"/>
           </a:p>
@@ -858,7 +863,7 @@
           <a:p>
             <a:fld id="{17FC6342-A00B-44D7-A348-2641CBC97D53}" type="datetimeFigureOut">
               <a:rPr lang="ko-KR" altLang="en-US" smtClean="0"/>
-              <a:t>2022-11-01</a:t>
+              <a:t>2022-11-02</a:t>
             </a:fld>
             <a:endParaRPr lang="ko-KR" altLang="en-US"/>
           </a:p>
@@ -1133,7 +1138,7 @@
           <a:p>
             <a:fld id="{17FC6342-A00B-44D7-A348-2641CBC97D53}" type="datetimeFigureOut">
               <a:rPr lang="ko-KR" altLang="en-US" smtClean="0"/>
-              <a:t>2022-11-01</a:t>
+              <a:t>2022-11-02</a:t>
             </a:fld>
             <a:endParaRPr lang="ko-KR" altLang="en-US"/>
           </a:p>
@@ -1398,7 +1403,7 @@
           <a:p>
             <a:fld id="{17FC6342-A00B-44D7-A348-2641CBC97D53}" type="datetimeFigureOut">
               <a:rPr lang="ko-KR" altLang="en-US" smtClean="0"/>
-              <a:t>2022-11-01</a:t>
+              <a:t>2022-11-02</a:t>
             </a:fld>
             <a:endParaRPr lang="ko-KR" altLang="en-US"/>
           </a:p>
@@ -1810,7 +1815,7 @@
           <a:p>
             <a:fld id="{17FC6342-A00B-44D7-A348-2641CBC97D53}" type="datetimeFigureOut">
               <a:rPr lang="ko-KR" altLang="en-US" smtClean="0"/>
-              <a:t>2022-11-01</a:t>
+              <a:t>2022-11-02</a:t>
             </a:fld>
             <a:endParaRPr lang="ko-KR" altLang="en-US"/>
           </a:p>
@@ -1951,7 +1956,7 @@
           <a:p>
             <a:fld id="{17FC6342-A00B-44D7-A348-2641CBC97D53}" type="datetimeFigureOut">
               <a:rPr lang="ko-KR" altLang="en-US" smtClean="0"/>
-              <a:t>2022-11-01</a:t>
+              <a:t>2022-11-02</a:t>
             </a:fld>
             <a:endParaRPr lang="ko-KR" altLang="en-US"/>
           </a:p>
@@ -2064,7 +2069,7 @@
           <a:p>
             <a:fld id="{17FC6342-A00B-44D7-A348-2641CBC97D53}" type="datetimeFigureOut">
               <a:rPr lang="ko-KR" altLang="en-US" smtClean="0"/>
-              <a:t>2022-11-01</a:t>
+              <a:t>2022-11-02</a:t>
             </a:fld>
             <a:endParaRPr lang="ko-KR" altLang="en-US"/>
           </a:p>
@@ -2375,7 +2380,7 @@
           <a:p>
             <a:fld id="{17FC6342-A00B-44D7-A348-2641CBC97D53}" type="datetimeFigureOut">
               <a:rPr lang="ko-KR" altLang="en-US" smtClean="0"/>
-              <a:t>2022-11-01</a:t>
+              <a:t>2022-11-02</a:t>
             </a:fld>
             <a:endParaRPr lang="ko-KR" altLang="en-US"/>
           </a:p>
@@ -2663,7 +2668,7 @@
           <a:p>
             <a:fld id="{17FC6342-A00B-44D7-A348-2641CBC97D53}" type="datetimeFigureOut">
               <a:rPr lang="ko-KR" altLang="en-US" smtClean="0"/>
-              <a:t>2022-11-01</a:t>
+              <a:t>2022-11-02</a:t>
             </a:fld>
             <a:endParaRPr lang="ko-KR" altLang="en-US"/>
           </a:p>
@@ -2904,7 +2909,7 @@
           <a:p>
             <a:fld id="{17FC6342-A00B-44D7-A348-2641CBC97D53}" type="datetimeFigureOut">
               <a:rPr lang="ko-KR" altLang="en-US" smtClean="0"/>
-              <a:t>2022-11-01</a:t>
+              <a:t>2022-11-02</a:t>
             </a:fld>
             <a:endParaRPr lang="ko-KR" altLang="en-US"/>
           </a:p>
@@ -3335,7 +3340,7 @@
         </p:nvSpPr>
         <p:spPr>
           <a:xfrm>
-            <a:off x="2061882" y="1219200"/>
+            <a:off x="2049699" y="1228436"/>
             <a:ext cx="2931459" cy="3236259"/>
           </a:xfrm>
           <a:prstGeom prst="rect">
@@ -3384,7 +3389,7 @@
             </a:avLst>
           </a:prstGeom>
           <a:noFill/>
-          <a:ln w="76200">
+          <a:ln w="158750">
             <a:solidFill>
               <a:schemeClr val="tx1"/>
             </a:solidFill>
@@ -3415,120 +3420,6 @@
           </a:p>
         </p:txBody>
       </p:sp>
-      <p:grpSp>
-        <p:nvGrpSpPr>
-          <p:cNvPr id="12" name="그룹 11">
-            <a:extLst>
-              <a:ext uri="{FF2B5EF4-FFF2-40B4-BE49-F238E27FC236}">
-                <a16:creationId xmlns:a16="http://schemas.microsoft.com/office/drawing/2014/main" id="{C81E8F47-4F22-B362-F2A9-0DC78198DD8E}"/>
-              </a:ext>
-            </a:extLst>
-          </p:cNvPr>
-          <p:cNvGrpSpPr/>
-          <p:nvPr/>
-        </p:nvGrpSpPr>
-        <p:grpSpPr>
-          <a:xfrm>
-            <a:off x="3783106" y="672354"/>
-            <a:ext cx="524435" cy="761999"/>
-            <a:chOff x="3783106" y="672354"/>
-            <a:chExt cx="524435" cy="761999"/>
-          </a:xfrm>
-        </p:grpSpPr>
-        <p:cxnSp>
-          <p:nvCxnSpPr>
-            <p:cNvPr id="10" name="직선 연결선 9">
-              <a:extLst>
-                <a:ext uri="{FF2B5EF4-FFF2-40B4-BE49-F238E27FC236}">
-                  <a16:creationId xmlns:a16="http://schemas.microsoft.com/office/drawing/2014/main" id="{E6CBB4DD-3346-A6C5-39E7-A90CBAAFEE60}"/>
-                </a:ext>
-              </a:extLst>
-            </p:cNvPr>
-            <p:cNvCxnSpPr/>
-            <p:nvPr/>
-          </p:nvCxnSpPr>
-          <p:spPr>
-            <a:xfrm flipV="1">
-              <a:off x="3783106" y="806824"/>
-              <a:ext cx="376518" cy="627529"/>
-            </a:xfrm>
-            <a:prstGeom prst="line">
-              <a:avLst/>
-            </a:prstGeom>
-            <a:ln w="57150">
-              <a:solidFill>
-                <a:schemeClr val="tx1"/>
-              </a:solidFill>
-            </a:ln>
-          </p:spPr>
-          <p:style>
-            <a:lnRef idx="1">
-              <a:schemeClr val="accent1"/>
-            </a:lnRef>
-            <a:fillRef idx="0">
-              <a:schemeClr val="accent1"/>
-            </a:fillRef>
-            <a:effectRef idx="0">
-              <a:schemeClr val="accent1"/>
-            </a:effectRef>
-            <a:fontRef idx="minor">
-              <a:schemeClr val="tx1"/>
-            </a:fontRef>
-          </p:style>
-        </p:cxnSp>
-        <p:sp>
-          <p:nvSpPr>
-            <p:cNvPr id="11" name="타원 10">
-              <a:extLst>
-                <a:ext uri="{FF2B5EF4-FFF2-40B4-BE49-F238E27FC236}">
-                  <a16:creationId xmlns:a16="http://schemas.microsoft.com/office/drawing/2014/main" id="{03509588-1EBB-C3F9-1F91-7B4043063BE3}"/>
-                </a:ext>
-              </a:extLst>
-            </p:cNvPr>
-            <p:cNvSpPr/>
-            <p:nvPr/>
-          </p:nvSpPr>
-          <p:spPr>
-            <a:xfrm>
-              <a:off x="4011706" y="672354"/>
-              <a:ext cx="295835" cy="259976"/>
-            </a:xfrm>
-            <a:prstGeom prst="ellipse">
-              <a:avLst/>
-            </a:prstGeom>
-            <a:solidFill>
-              <a:schemeClr val="tx1"/>
-            </a:solidFill>
-            <a:ln>
-              <a:noFill/>
-            </a:ln>
-          </p:spPr>
-          <p:style>
-            <a:lnRef idx="2">
-              <a:schemeClr val="accent1">
-                <a:shade val="50000"/>
-              </a:schemeClr>
-            </a:lnRef>
-            <a:fillRef idx="1">
-              <a:schemeClr val="accent1"/>
-            </a:fillRef>
-            <a:effectRef idx="0">
-              <a:schemeClr val="accent1"/>
-            </a:effectRef>
-            <a:fontRef idx="minor">
-              <a:schemeClr val="lt1"/>
-            </a:fontRef>
-          </p:style>
-          <p:txBody>
-            <a:bodyPr rtlCol="0" anchor="ctr"/>
-            <a:lstStyle/>
-            <a:p>
-              <a:pPr algn="ctr"/>
-              <a:endParaRPr lang="ko-KR" altLang="en-US"/>
-            </a:p>
-          </p:txBody>
-        </p:sp>
-      </p:grpSp>
       <p:grpSp>
         <p:nvGrpSpPr>
           <p:cNvPr id="13" name="그룹 12">
@@ -3569,7 +3460,7 @@
             <a:prstGeom prst="line">
               <a:avLst/>
             </a:prstGeom>
-            <a:ln w="57150">
+            <a:ln w="76200">
               <a:solidFill>
                 <a:schemeClr val="tx1"/>
               </a:solidFill>
@@ -3643,6 +3534,151 @@
           </p:txBody>
         </p:sp>
       </p:grpSp>
+      <p:grpSp>
+        <p:nvGrpSpPr>
+          <p:cNvPr id="16" name="그룹 15">
+            <a:extLst>
+              <a:ext uri="{FF2B5EF4-FFF2-40B4-BE49-F238E27FC236}">
+                <a16:creationId xmlns:a16="http://schemas.microsoft.com/office/drawing/2014/main" id="{96DC9D70-8465-6BD7-12E7-35CC223031A1}"/>
+              </a:ext>
+            </a:extLst>
+          </p:cNvPr>
+          <p:cNvGrpSpPr/>
+          <p:nvPr/>
+        </p:nvGrpSpPr>
+        <p:grpSpPr>
+          <a:xfrm>
+            <a:off x="3911816" y="681320"/>
+            <a:ext cx="503164" cy="779928"/>
+            <a:chOff x="3783106" y="672354"/>
+            <a:chExt cx="524435" cy="761999"/>
+          </a:xfrm>
+        </p:grpSpPr>
+        <p:cxnSp>
+          <p:nvCxnSpPr>
+            <p:cNvPr id="17" name="직선 연결선 16">
+              <a:extLst>
+                <a:ext uri="{FF2B5EF4-FFF2-40B4-BE49-F238E27FC236}">
+                  <a16:creationId xmlns:a16="http://schemas.microsoft.com/office/drawing/2014/main" id="{752685C4-5130-66A2-1193-1DD2C3DC7803}"/>
+                </a:ext>
+              </a:extLst>
+            </p:cNvPr>
+            <p:cNvCxnSpPr/>
+            <p:nvPr/>
+          </p:nvCxnSpPr>
+          <p:spPr>
+            <a:xfrm flipV="1">
+              <a:off x="3783106" y="806824"/>
+              <a:ext cx="376518" cy="627529"/>
+            </a:xfrm>
+            <a:prstGeom prst="line">
+              <a:avLst/>
+            </a:prstGeom>
+            <a:ln w="76200">
+              <a:solidFill>
+                <a:schemeClr val="tx1"/>
+              </a:solidFill>
+            </a:ln>
+          </p:spPr>
+          <p:style>
+            <a:lnRef idx="1">
+              <a:schemeClr val="accent1"/>
+            </a:lnRef>
+            <a:fillRef idx="0">
+              <a:schemeClr val="accent1"/>
+            </a:fillRef>
+            <a:effectRef idx="0">
+              <a:schemeClr val="accent1"/>
+            </a:effectRef>
+            <a:fontRef idx="minor">
+              <a:schemeClr val="tx1"/>
+            </a:fontRef>
+          </p:style>
+        </p:cxnSp>
+        <p:sp>
+          <p:nvSpPr>
+            <p:cNvPr id="18" name="타원 17">
+              <a:extLst>
+                <a:ext uri="{FF2B5EF4-FFF2-40B4-BE49-F238E27FC236}">
+                  <a16:creationId xmlns:a16="http://schemas.microsoft.com/office/drawing/2014/main" id="{724EA723-24D8-475F-50B7-55CD7B9C9E2F}"/>
+                </a:ext>
+              </a:extLst>
+            </p:cNvPr>
+            <p:cNvSpPr/>
+            <p:nvPr/>
+          </p:nvSpPr>
+          <p:spPr>
+            <a:xfrm>
+              <a:off x="4011706" y="672354"/>
+              <a:ext cx="295835" cy="259976"/>
+            </a:xfrm>
+            <a:prstGeom prst="ellipse">
+              <a:avLst/>
+            </a:prstGeom>
+            <a:solidFill>
+              <a:schemeClr val="tx1"/>
+            </a:solidFill>
+            <a:ln>
+              <a:noFill/>
+            </a:ln>
+          </p:spPr>
+          <p:style>
+            <a:lnRef idx="2">
+              <a:schemeClr val="accent1">
+                <a:shade val="50000"/>
+              </a:schemeClr>
+            </a:lnRef>
+            <a:fillRef idx="1">
+              <a:schemeClr val="accent1"/>
+            </a:fillRef>
+            <a:effectRef idx="0">
+              <a:schemeClr val="accent1"/>
+            </a:effectRef>
+            <a:fontRef idx="minor">
+              <a:schemeClr val="lt1"/>
+            </a:fontRef>
+          </p:style>
+          <p:txBody>
+            <a:bodyPr rtlCol="0" anchor="ctr"/>
+            <a:lstStyle/>
+            <a:p>
+              <a:pPr algn="ctr"/>
+              <a:endParaRPr lang="ko-KR" altLang="en-US"/>
+            </a:p>
+          </p:txBody>
+        </p:sp>
+      </p:grpSp>
+      <p:pic>
+        <p:nvPicPr>
+          <p:cNvPr id="2" name="그림 1"/>
+          <p:cNvPicPr>
+            <a:picLocks noChangeAspect="1"/>
+          </p:cNvPicPr>
+          <p:nvPr/>
+        </p:nvPicPr>
+        <p:blipFill>
+          <a:blip r:embed="rId2">
+            <a:lum bright="70000" contrast="-70000"/>
+            <a:extLst>
+              <a:ext uri="{28A0092B-C50C-407E-A947-70E740481C1C}">
+                <a14:useLocalDpi xmlns:a14="http://schemas.microsoft.com/office/drawing/2010/main" val="0"/>
+              </a:ext>
+            </a:extLst>
+          </a:blip>
+          <a:stretch>
+            <a:fillRect/>
+          </a:stretch>
+        </p:blipFill>
+        <p:spPr>
+          <a:xfrm>
+            <a:off x="5130339" y="795433"/>
+            <a:ext cx="4876800" cy="4876800"/>
+          </a:xfrm>
+          <a:prstGeom prst="rect">
+            <a:avLst/>
+          </a:prstGeom>
+        </p:spPr>
+      </p:pic>
     </p:spTree>
     <p:extLst>
       <p:ext uri="{BB962C8B-B14F-4D97-AF65-F5344CB8AC3E}">
